--- a/12-17-sep2021/16-sep-2021-replication-controller.pptx
+++ b/12-17-sep2021/16-sep-2021-replication-controller.pptx
@@ -11,6 +11,7 @@
     <p:sldId id="258" r:id="rId6"/>
     <p:sldId id="259" r:id="rId7"/>
     <p:sldId id="260" r:id="rId8"/>
+    <p:sldId id="261" r:id="rId9"/>
   </p:sldIdLst>
   <p:sldSz cx="12192000" cy="6858000"/>
   <p:notesSz cx="7772400" cy="10058400"/>
@@ -2762,7 +2763,7 @@
         <p:spPr>
           <a:xfrm>
             <a:off x="5344560" y="6703200"/>
-            <a:ext cx="1500480" cy="105840"/>
+            <a:ext cx="1500120" cy="105840"/>
           </a:xfrm>
           <a:prstGeom prst="rect">
             <a:avLst/>
@@ -3073,7 +3074,7 @@
         <p:spPr>
           <a:xfrm>
             <a:off x="5344560" y="6703200"/>
-            <a:ext cx="1500480" cy="105840"/>
+            <a:ext cx="1500120" cy="105840"/>
           </a:xfrm>
           <a:prstGeom prst="rect">
             <a:avLst/>
@@ -3377,7 +3378,7 @@
         <p:spPr>
           <a:xfrm>
             <a:off x="230040" y="0"/>
-            <a:ext cx="10970640" cy="1187280"/>
+            <a:ext cx="10970280" cy="1186920"/>
           </a:xfrm>
           <a:prstGeom prst="rect">
             <a:avLst/>
@@ -3448,7 +3449,7 @@
         <p:spPr>
           <a:xfrm>
             <a:off x="1600200" y="1371600"/>
-            <a:ext cx="8915040" cy="601920"/>
+            <a:ext cx="8914680" cy="601560"/>
           </a:xfrm>
           <a:prstGeom prst="rect">
             <a:avLst/>
@@ -3476,7 +3477,11 @@
             </a:pPr>
             <a:r>
               <a:rPr b="1" lang="en-US" sz="1800" spc="-1" strike="noStrike">
+                <a:solidFill>
+                  <a:srgbClr val="000000"/>
+                </a:solidFill>
                 <a:latin typeface="Arial"/>
+                <a:ea typeface="DejaVu Sans"/>
               </a:rPr>
               <a:t>How can you ensure there are at least 3 pod instances are always available running at point in time?</a:t>
             </a:r>
@@ -3525,7 +3530,7 @@
         <p:spPr>
           <a:xfrm>
             <a:off x="914400" y="1046520"/>
-            <a:ext cx="9510480" cy="1238760"/>
+            <a:ext cx="9510120" cy="1238400"/>
           </a:xfrm>
           <a:prstGeom prst="rect">
             <a:avLst/>
@@ -3555,7 +3560,7 @@
         <p:spPr>
           <a:xfrm>
             <a:off x="321840" y="228600"/>
-            <a:ext cx="11562480" cy="6171840"/>
+            <a:ext cx="11562120" cy="6171480"/>
           </a:xfrm>
           <a:prstGeom prst="rect">
             <a:avLst/>
@@ -3604,7 +3609,7 @@
         <p:spPr>
           <a:xfrm>
             <a:off x="1059840" y="339120"/>
-            <a:ext cx="8768160" cy="856440"/>
+            <a:ext cx="8767800" cy="856080"/>
           </a:xfrm>
           <a:prstGeom prst="rect">
             <a:avLst/>
@@ -3624,37 +3629,52 @@
       <p:sp>
         <p:nvSpPr>
           <p:cNvPr id="83" name=""/>
-          <p:cNvSpPr txBox="1"/>
+          <p:cNvSpPr/>
           <p:nvPr/>
         </p:nvSpPr>
         <p:spPr>
           <a:xfrm>
             <a:off x="2514600" y="1822680"/>
-            <a:ext cx="7772400" cy="4806720"/>
+            <a:ext cx="7772040" cy="4806360"/>
           </a:xfrm>
           <a:prstGeom prst="rect">
             <a:avLst/>
           </a:prstGeom>
           <a:blipFill rotWithShape="0">
             <a:blip r:embed="rId1"/>
+            <a:srcRect/>
             <a:stretch/>
           </a:blipFill>
           <a:ln w="0">
             <a:noFill/>
           </a:ln>
         </p:spPr>
+        <p:style>
+          <a:lnRef idx="0"/>
+          <a:fillRef idx="0"/>
+          <a:effectRef idx="0"/>
+          <a:fontRef idx="minor"/>
+        </p:style>
         <p:txBody>
           <a:bodyPr lIns="90000" rIns="90000" tIns="45000" bIns="45000" anchor="ctr" anchorCtr="1">
             <a:noAutofit/>
           </a:bodyPr>
           <a:p>
-            <a:pPr algn="ctr"/>
+            <a:pPr algn="ctr">
+              <a:lnSpc>
+                <a:spcPct val="100000"/>
+              </a:lnSpc>
+            </a:pPr>
             <a:endParaRPr b="0" lang="en-US" sz="1800" spc="-1" strike="noStrike">
               <a:latin typeface="Arial"/>
             </a:endParaRPr>
           </a:p>
           <a:p>
-            <a:pPr algn="ctr"/>
+            <a:pPr algn="ctr">
+              <a:lnSpc>
+                <a:spcPct val="100000"/>
+              </a:lnSpc>
+            </a:pPr>
             <a:endParaRPr b="0" lang="en-US" sz="1800" spc="-1" strike="noStrike">
               <a:latin typeface="Arial"/>
             </a:endParaRPr>
@@ -3664,13 +3684,13 @@
       <p:sp>
         <p:nvSpPr>
           <p:cNvPr id="84" name=""/>
-          <p:cNvSpPr txBox="1"/>
+          <p:cNvSpPr/>
           <p:nvPr/>
         </p:nvSpPr>
         <p:spPr>
           <a:xfrm>
             <a:off x="685800" y="457200"/>
-            <a:ext cx="5029200" cy="858240"/>
+            <a:ext cx="5028840" cy="857880"/>
           </a:xfrm>
           <a:prstGeom prst="rect">
             <a:avLst/>
@@ -3680,11 +3700,22 @@
             <a:noFill/>
           </a:ln>
         </p:spPr>
+        <p:style>
+          <a:lnRef idx="0"/>
+          <a:fillRef idx="0"/>
+          <a:effectRef idx="0"/>
+          <a:fontRef idx="minor"/>
+        </p:style>
         <p:txBody>
           <a:bodyPr lIns="90000" rIns="90000" tIns="45000" bIns="45000">
             <a:noAutofit/>
           </a:bodyPr>
           <a:p>
+            <a:pPr>
+              <a:lnSpc>
+                <a:spcPct val="100000"/>
+              </a:lnSpc>
+            </a:pPr>
             <a:r>
               <a:rPr b="0" lang="en-US" sz="1800" spc="-1" strike="noStrike">
                 <a:latin typeface="Arial"/>
@@ -3696,6 +3727,11 @@
             </a:endParaRPr>
           </a:p>
           <a:p>
+            <a:pPr>
+              <a:lnSpc>
+                <a:spcPct val="100000"/>
+              </a:lnSpc>
+            </a:pPr>
             <a:r>
               <a:rPr b="0" lang="en-US" sz="1800" spc="-1" strike="noStrike">
                 <a:latin typeface="Arial"/>
@@ -3707,6 +3743,11 @@
             </a:endParaRPr>
           </a:p>
           <a:p>
+            <a:pPr>
+              <a:lnSpc>
+                <a:spcPct val="100000"/>
+              </a:lnSpc>
+            </a:pPr>
             <a:endParaRPr b="0" lang="en-US" sz="1800" spc="-1" strike="noStrike">
               <a:latin typeface="Arial"/>
             </a:endParaRPr>
@@ -3752,7 +3793,7 @@
         <p:spPr>
           <a:xfrm>
             <a:off x="1371600" y="457200"/>
-            <a:ext cx="9142200" cy="684000"/>
+            <a:ext cx="9141840" cy="683640"/>
           </a:xfrm>
           <a:prstGeom prst="rect">
             <a:avLst/>
@@ -3803,7 +3844,7 @@
         <p:spPr>
           <a:xfrm>
             <a:off x="1143000" y="5355360"/>
-            <a:ext cx="7423920" cy="816120"/>
+            <a:ext cx="7423560" cy="815760"/>
           </a:xfrm>
           <a:prstGeom prst="rect">
             <a:avLst/>
@@ -3856,9 +3897,9 @@
           <a:stretch/>
         </p:blipFill>
         <p:spPr>
-          <a:xfrm rot="21556200">
-            <a:off x="2651760" y="365400"/>
-            <a:ext cx="7613640" cy="5261040"/>
+          <a:xfrm>
+            <a:off x="1371600" y="824040"/>
+            <a:ext cx="7956360" cy="4383000"/>
           </a:xfrm>
           <a:prstGeom prst="rect">
             <a:avLst/>
@@ -3907,7 +3948,7 @@
         <p:spPr>
           <a:xfrm>
             <a:off x="1371600" y="457200"/>
-            <a:ext cx="9142200" cy="684000"/>
+            <a:ext cx="9141840" cy="683640"/>
           </a:xfrm>
           <a:prstGeom prst="rect">
             <a:avLst/>
@@ -3933,7 +3974,7 @@
         <p:spPr>
           <a:xfrm>
             <a:off x="1143000" y="5355360"/>
-            <a:ext cx="7423920" cy="816120"/>
+            <a:ext cx="7423560" cy="815760"/>
           </a:xfrm>
           <a:prstGeom prst="rect">
             <a:avLst/>
@@ -3963,7 +4004,165 @@
         <p:spPr>
           <a:xfrm>
             <a:off x="2057400" y="507600"/>
-            <a:ext cx="7632720" cy="5436000"/>
+            <a:ext cx="7632360" cy="5435640"/>
+          </a:xfrm>
+          <a:prstGeom prst="rect">
+            <a:avLst/>
+          </a:prstGeom>
+          <a:ln w="0">
+            <a:noFill/>
+          </a:ln>
+        </p:spPr>
+      </p:pic>
+      <p:sp>
+        <p:nvSpPr>
+          <p:cNvPr id="91" name=""/>
+          <p:cNvSpPr txBox="1"/>
+          <p:nvPr/>
+        </p:nvSpPr>
+        <p:spPr>
+          <a:xfrm>
+            <a:off x="1143000" y="5943600"/>
+            <a:ext cx="5943600" cy="602280"/>
+          </a:xfrm>
+          <a:prstGeom prst="rect">
+            <a:avLst/>
+          </a:prstGeom>
+          <a:noFill/>
+          <a:ln w="0">
+            <a:noFill/>
+          </a:ln>
+        </p:spPr>
+        <p:txBody>
+          <a:bodyPr lIns="90000" rIns="90000" tIns="45000" bIns="45000">
+            <a:noAutofit/>
+          </a:bodyPr>
+          <a:p>
+            <a:r>
+              <a:rPr b="0" lang="en-US" sz="1800" spc="-1" strike="noStrike">
+                <a:latin typeface="Arial"/>
+              </a:rPr>
+              <a:t>- {key: app, operator: In, values: [nginx, nginx2]}</a:t>
+            </a:r>
+            <a:endParaRPr b="0" lang="en-US" sz="1800" spc="-1" strike="noStrike">
+              <a:latin typeface="Arial"/>
+            </a:endParaRPr>
+          </a:p>
+          <a:p>
+            <a:r>
+              <a:rPr b="0" lang="en-US" sz="1800" spc="-1" strike="noStrike">
+                <a:latin typeface="Arial"/>
+              </a:rPr>
+              <a:t>      </a:t>
+            </a:r>
+            <a:r>
+              <a:rPr b="0" lang="en-US" sz="1800" spc="-1" strike="noStrike">
+                <a:latin typeface="Arial"/>
+              </a:rPr>
+              <a:t>- {key: teir, operator: NotIn, values: [production]}</a:t>
+            </a:r>
+            <a:endParaRPr b="0" lang="en-US" sz="1800" spc="-1" strike="noStrike">
+              <a:latin typeface="Arial"/>
+            </a:endParaRPr>
+          </a:p>
+        </p:txBody>
+      </p:sp>
+    </p:spTree>
+  </p:cSld>
+  <mc:AlternateContent>
+    <mc:Choice Requires="p14">
+      <p:transition spd="slow" p14:dur="2000"/>
+    </mc:Choice>
+    <mc:Fallback>
+      <p:transition spd="slow"/>
+    </mc:Fallback>
+  </mc:AlternateContent>
+</p:sld>
+</file>
+
+<file path=ppt/slides/slide6.xml><?xml version="1.0" encoding="utf-8"?>
+<p:sld xmlns:a="http://schemas.openxmlformats.org/drawingml/2006/main" xmlns:p="http://schemas.openxmlformats.org/presentationml/2006/main" xmlns:r="http://schemas.openxmlformats.org/officeDocument/2006/relationships" xmlns:p14="http://schemas.microsoft.com/office/powerpoint/2010/main" xmlns:p15="http://schemas.microsoft.com/office/powerpoint/2012/main" xmlns:mc="http://schemas.openxmlformats.org/markup-compatibility/2006">
+  <p:cSld>
+    <p:spTree>
+      <p:nvGrpSpPr>
+        <p:cNvPr id="1" name=""/>
+        <p:cNvGrpSpPr/>
+        <p:nvPr/>
+      </p:nvGrpSpPr>
+      <p:grpSpPr>
+        <a:xfrm>
+          <a:off x="0" y="0"/>
+          <a:ext cx="0" cy="0"/>
+          <a:chOff x="0" y="0"/>
+          <a:chExt cx="0" cy="0"/>
+        </a:xfrm>
+      </p:grpSpPr>
+      <p:sp>
+        <p:nvSpPr>
+          <p:cNvPr id="92" name=""/>
+          <p:cNvSpPr/>
+          <p:nvPr/>
+        </p:nvSpPr>
+        <p:spPr>
+          <a:xfrm>
+            <a:off x="1371600" y="457200"/>
+            <a:ext cx="9141840" cy="683640"/>
+          </a:xfrm>
+          <a:prstGeom prst="rect">
+            <a:avLst/>
+          </a:prstGeom>
+          <a:noFill/>
+          <a:ln w="0">
+            <a:noFill/>
+          </a:ln>
+        </p:spPr>
+        <p:style>
+          <a:lnRef idx="0"/>
+          <a:fillRef idx="0"/>
+          <a:effectRef idx="0"/>
+          <a:fontRef idx="minor"/>
+        </p:style>
+      </p:sp>
+      <p:sp>
+        <p:nvSpPr>
+          <p:cNvPr id="93" name=""/>
+          <p:cNvSpPr/>
+          <p:nvPr/>
+        </p:nvSpPr>
+        <p:spPr>
+          <a:xfrm>
+            <a:off x="1143000" y="5355360"/>
+            <a:ext cx="7423560" cy="815760"/>
+          </a:xfrm>
+          <a:prstGeom prst="rect">
+            <a:avLst/>
+          </a:prstGeom>
+          <a:noFill/>
+          <a:ln w="0">
+            <a:noFill/>
+          </a:ln>
+        </p:spPr>
+        <p:style>
+          <a:lnRef idx="0"/>
+          <a:fillRef idx="0"/>
+          <a:effectRef idx="0"/>
+          <a:fontRef idx="minor"/>
+        </p:style>
+      </p:sp>
+      <p:pic>
+        <p:nvPicPr>
+          <p:cNvPr id="94" name="" descr=""/>
+          <p:cNvPicPr/>
+          <p:nvPr/>
+        </p:nvPicPr>
+        <p:blipFill>
+          <a:blip r:embed="rId1"/>
+          <a:stretch/>
+        </p:blipFill>
+        <p:spPr>
+          <a:xfrm>
+            <a:off x="893880" y="1278360"/>
+            <a:ext cx="10505880" cy="4352400"/>
           </a:xfrm>
           <a:prstGeom prst="rect">
             <a:avLst/>
